--- a/Documents/RetroGeckoPP.pptx
+++ b/Documents/RetroGeckoPP.pptx
@@ -108,6 +108,11 @@
       </a:defRPr>
     </a:lvl9pPr>
   </p:defaultTextStyle>
+  <p:extLst>
+    <p:ext uri="{EFAFB233-063F-42B5-8137-9DF3F51BA10A}">
+      <p15:sldGuideLst xmlns:p15="http://schemas.microsoft.com/office/powerpoint/2012/main"/>
+    </p:ext>
+  </p:extLst>
 </p:presentation>
 </file>
 
@@ -13362,6 +13367,14 @@
 <file path=ppt/slides/slide2.xml><?xml version="1.0" encoding="utf-8"?>
 <p:sld xmlns:a="http://schemas.openxmlformats.org/drawingml/2006/main" xmlns:r="http://schemas.openxmlformats.org/officeDocument/2006/relationships" xmlns:p="http://schemas.openxmlformats.org/presentationml/2006/main">
   <p:cSld>
+    <p:bg>
+      <p:bgPr>
+        <a:solidFill>
+          <a:schemeClr val="bg1"/>
+        </a:solidFill>
+        <a:effectLst/>
+      </p:bgPr>
+    </p:bg>
     <p:spTree>
       <p:nvGrpSpPr>
         <p:cNvPr id="1" name=""/>
@@ -13376,6 +13389,744 @@
           <a:chExt cx="0" cy="0"/>
         </a:xfrm>
       </p:grpSpPr>
+      <p:grpSp>
+        <p:nvGrpSpPr>
+          <p:cNvPr id="20" name="Group 8">
+            <a:extLst>
+              <a:ext uri="{FF2B5EF4-FFF2-40B4-BE49-F238E27FC236}">
+                <a16:creationId xmlns:a16="http://schemas.microsoft.com/office/drawing/2014/main" id="{6061F655-345C-4AD8-85BC-913D875232C0}"/>
+              </a:ext>
+              <a:ext uri="{C183D7F6-B498-43B3-948B-1728B52AA6E4}">
+                <adec:decorative xmlns:adec="http://schemas.microsoft.com/office/drawing/2017/decorative" val="1"/>
+              </a:ext>
+            </a:extLst>
+          </p:cNvPr>
+          <p:cNvGrpSpPr>
+            <a:grpSpLocks noGrp="1" noUngrp="1" noRot="1" noChangeAspect="1" noMove="1" noResize="1"/>
+          </p:cNvGrpSpPr>
+          <p:nvPr>
+            <p:extLst>
+              <p:ext uri="{386F3935-93C4-4BCD-93E2-E3B085C9AB24}">
+                <p16:designElem xmlns:p16="http://schemas.microsoft.com/office/powerpoint/2015/main" val="1"/>
+              </p:ext>
+            </p:extLst>
+          </p:nvPr>
+        </p:nvGrpSpPr>
+        <p:grpSpPr>
+          <a:xfrm>
+            <a:off x="0" y="0"/>
+            <a:ext cx="12192000" cy="6858000"/>
+            <a:chOff x="0" y="0"/>
+            <a:chExt cx="12192000" cy="6858000"/>
+          </a:xfrm>
+        </p:grpSpPr>
+        <p:sp>
+          <p:nvSpPr>
+            <p:cNvPr id="10" name="Rectangle 9">
+              <a:extLst>
+                <a:ext uri="{FF2B5EF4-FFF2-40B4-BE49-F238E27FC236}">
+                  <a16:creationId xmlns:a16="http://schemas.microsoft.com/office/drawing/2014/main" id="{643780CE-2BE5-46F6-97B2-60DF30217ED3}"/>
+                </a:ext>
+                <a:ext uri="{C183D7F6-B498-43B3-948B-1728B52AA6E4}">
+                  <adec:decorative xmlns:adec="http://schemas.microsoft.com/office/drawing/2017/decorative" val="1"/>
+                </a:ext>
+              </a:extLst>
+            </p:cNvPr>
+            <p:cNvSpPr/>
+            <p:nvPr>
+              <p:extLst>
+                <p:ext uri="{386F3935-93C4-4BCD-93E2-E3B085C9AB24}">
+                  <p16:designElem xmlns:p16="http://schemas.microsoft.com/office/powerpoint/2015/main" val="1"/>
+                </p:ext>
+              </p:extLst>
+            </p:nvPr>
+          </p:nvSpPr>
+          <p:spPr>
+            <a:xfrm>
+              <a:off x="0" y="0"/>
+              <a:ext cx="12192000" cy="6858000"/>
+            </a:xfrm>
+            <a:prstGeom prst="rect">
+              <a:avLst/>
+            </a:prstGeom>
+            <a:blipFill>
+              <a:blip r:embed="rId2">
+                <a:duotone>
+                  <a:schemeClr val="dk2">
+                    <a:shade val="69000"/>
+                    <a:hueMod val="91000"/>
+                    <a:satMod val="164000"/>
+                    <a:lumMod val="74000"/>
+                  </a:schemeClr>
+                  <a:schemeClr val="dk2">
+                    <a:hueMod val="124000"/>
+                    <a:satMod val="140000"/>
+                    <a:lumMod val="142000"/>
+                  </a:schemeClr>
+                </a:duotone>
+              </a:blip>
+              <a:stretch>
+                <a:fillRect/>
+              </a:stretch>
+            </a:blipFill>
+            <a:ln>
+              <a:noFill/>
+            </a:ln>
+          </p:spPr>
+          <p:style>
+            <a:lnRef idx="2">
+              <a:schemeClr val="accent1">
+                <a:shade val="50000"/>
+              </a:schemeClr>
+            </a:lnRef>
+            <a:fillRef idx="1">
+              <a:schemeClr val="accent1"/>
+            </a:fillRef>
+            <a:effectRef idx="0">
+              <a:schemeClr val="accent1"/>
+            </a:effectRef>
+            <a:fontRef idx="minor">
+              <a:schemeClr val="lt1"/>
+            </a:fontRef>
+          </p:style>
+        </p:sp>
+        <p:sp>
+          <p:nvSpPr>
+            <p:cNvPr id="11" name="Oval 10">
+              <a:extLst>
+                <a:ext uri="{FF2B5EF4-FFF2-40B4-BE49-F238E27FC236}">
+                  <a16:creationId xmlns:a16="http://schemas.microsoft.com/office/drawing/2014/main" id="{4233DC0E-DE6C-4FB6-A529-51B162641AB8}"/>
+                </a:ext>
+                <a:ext uri="{C183D7F6-B498-43B3-948B-1728B52AA6E4}">
+                  <adec:decorative xmlns:adec="http://schemas.microsoft.com/office/drawing/2017/decorative" val="1"/>
+                </a:ext>
+              </a:extLst>
+            </p:cNvPr>
+            <p:cNvSpPr/>
+            <p:nvPr>
+              <p:extLst>
+                <p:ext uri="{386F3935-93C4-4BCD-93E2-E3B085C9AB24}">
+                  <p16:designElem xmlns:p16="http://schemas.microsoft.com/office/powerpoint/2015/main" val="1"/>
+                </p:ext>
+              </p:extLst>
+            </p:nvPr>
+          </p:nvSpPr>
+          <p:spPr>
+            <a:xfrm>
+              <a:off x="0" y="2667000"/>
+              <a:ext cx="4191000" cy="4191000"/>
+            </a:xfrm>
+            <a:prstGeom prst="ellipse">
+              <a:avLst/>
+            </a:prstGeom>
+            <a:gradFill flip="none" rotWithShape="1">
+              <a:gsLst>
+                <a:gs pos="0">
+                  <a:schemeClr val="accent5">
+                    <a:alpha val="11000"/>
+                  </a:schemeClr>
+                </a:gs>
+                <a:gs pos="75000">
+                  <a:schemeClr val="accent5">
+                    <a:alpha val="0"/>
+                  </a:schemeClr>
+                </a:gs>
+                <a:gs pos="36000">
+                  <a:schemeClr val="accent5">
+                    <a:alpha val="10000"/>
+                  </a:schemeClr>
+                </a:gs>
+              </a:gsLst>
+              <a:path path="circle">
+                <a:fillToRect l="50000" t="50000" r="50000" b="50000"/>
+              </a:path>
+              <a:tileRect/>
+            </a:gradFill>
+            <a:ln>
+              <a:noFill/>
+            </a:ln>
+            <a:effectLst/>
+          </p:spPr>
+          <p:style>
+            <a:lnRef idx="1">
+              <a:schemeClr val="accent1"/>
+            </a:lnRef>
+            <a:fillRef idx="3">
+              <a:schemeClr val="accent1"/>
+            </a:fillRef>
+            <a:effectRef idx="2">
+              <a:schemeClr val="accent1"/>
+            </a:effectRef>
+            <a:fontRef idx="minor">
+              <a:schemeClr val="lt1"/>
+            </a:fontRef>
+          </p:style>
+        </p:sp>
+        <p:sp>
+          <p:nvSpPr>
+            <p:cNvPr id="12" name="Oval 11">
+              <a:extLst>
+                <a:ext uri="{FF2B5EF4-FFF2-40B4-BE49-F238E27FC236}">
+                  <a16:creationId xmlns:a16="http://schemas.microsoft.com/office/drawing/2014/main" id="{3870477F-E451-4BC3-863F-0E2FC572884B}"/>
+                </a:ext>
+                <a:ext uri="{C183D7F6-B498-43B3-948B-1728B52AA6E4}">
+                  <adec:decorative xmlns:adec="http://schemas.microsoft.com/office/drawing/2017/decorative" val="1"/>
+                </a:ext>
+              </a:extLst>
+            </p:cNvPr>
+            <p:cNvSpPr/>
+            <p:nvPr>
+              <p:extLst>
+                <p:ext uri="{386F3935-93C4-4BCD-93E2-E3B085C9AB24}">
+                  <p16:designElem xmlns:p16="http://schemas.microsoft.com/office/powerpoint/2015/main" val="1"/>
+                </p:ext>
+              </p:extLst>
+            </p:nvPr>
+          </p:nvSpPr>
+          <p:spPr>
+            <a:xfrm>
+              <a:off x="0" y="2895600"/>
+              <a:ext cx="2362200" cy="2362200"/>
+            </a:xfrm>
+            <a:prstGeom prst="ellipse">
+              <a:avLst/>
+            </a:prstGeom>
+            <a:gradFill flip="none" rotWithShape="1">
+              <a:gsLst>
+                <a:gs pos="0">
+                  <a:schemeClr val="accent5">
+                    <a:alpha val="8000"/>
+                  </a:schemeClr>
+                </a:gs>
+                <a:gs pos="72000">
+                  <a:schemeClr val="accent5">
+                    <a:alpha val="0"/>
+                  </a:schemeClr>
+                </a:gs>
+                <a:gs pos="36000">
+                  <a:schemeClr val="accent5">
+                    <a:alpha val="8000"/>
+                  </a:schemeClr>
+                </a:gs>
+              </a:gsLst>
+              <a:path path="circle">
+                <a:fillToRect l="50000" t="50000" r="50000" b="50000"/>
+              </a:path>
+              <a:tileRect/>
+            </a:gradFill>
+            <a:ln>
+              <a:noFill/>
+            </a:ln>
+            <a:effectLst/>
+          </p:spPr>
+          <p:style>
+            <a:lnRef idx="1">
+              <a:schemeClr val="accent1"/>
+            </a:lnRef>
+            <a:fillRef idx="3">
+              <a:schemeClr val="accent1"/>
+            </a:fillRef>
+            <a:effectRef idx="2">
+              <a:schemeClr val="accent1"/>
+            </a:effectRef>
+            <a:fontRef idx="minor">
+              <a:schemeClr val="lt1"/>
+            </a:fontRef>
+          </p:style>
+        </p:sp>
+        <p:sp>
+          <p:nvSpPr>
+            <p:cNvPr id="13" name="Rectangle 12">
+              <a:extLst>
+                <a:ext uri="{FF2B5EF4-FFF2-40B4-BE49-F238E27FC236}">
+                  <a16:creationId xmlns:a16="http://schemas.microsoft.com/office/drawing/2014/main" id="{88FBA05C-D740-40CE-9A7D-9E5A715AEA36}"/>
+                </a:ext>
+                <a:ext uri="{C183D7F6-B498-43B3-948B-1728B52AA6E4}">
+                  <adec:decorative xmlns:adec="http://schemas.microsoft.com/office/drawing/2017/decorative" val="1"/>
+                </a:ext>
+              </a:extLst>
+            </p:cNvPr>
+            <p:cNvSpPr/>
+            <p:nvPr>
+              <p:extLst>
+                <p:ext uri="{386F3935-93C4-4BCD-93E2-E3B085C9AB24}">
+                  <p16:designElem xmlns:p16="http://schemas.microsoft.com/office/powerpoint/2015/main" val="1"/>
+                </p:ext>
+              </p:extLst>
+            </p:nvPr>
+          </p:nvSpPr>
+          <p:spPr bwMode="gray">
+            <a:xfrm>
+              <a:off x="5713412" y="402165"/>
+              <a:ext cx="6055253" cy="6053670"/>
+            </a:xfrm>
+            <a:prstGeom prst="rect">
+              <a:avLst/>
+            </a:prstGeom>
+            <a:solidFill>
+              <a:schemeClr val="bg1"/>
+            </a:solidFill>
+            <a:ln>
+              <a:noFill/>
+            </a:ln>
+            <a:effectLst/>
+          </p:spPr>
+          <p:style>
+            <a:lnRef idx="1">
+              <a:schemeClr val="accent1"/>
+            </a:lnRef>
+            <a:fillRef idx="3">
+              <a:schemeClr val="accent1"/>
+            </a:fillRef>
+            <a:effectRef idx="2">
+              <a:schemeClr val="accent1"/>
+            </a:effectRef>
+            <a:fontRef idx="minor">
+              <a:schemeClr val="lt1"/>
+            </a:fontRef>
+          </p:style>
+        </p:sp>
+        <p:sp>
+          <p:nvSpPr>
+            <p:cNvPr id="14" name="Freeform 5">
+              <a:extLst>
+                <a:ext uri="{FF2B5EF4-FFF2-40B4-BE49-F238E27FC236}">
+                  <a16:creationId xmlns:a16="http://schemas.microsoft.com/office/drawing/2014/main" id="{B4A81DE1-E2BC-4A31-99EE-71350421B0EA}"/>
+                </a:ext>
+                <a:ext uri="{C183D7F6-B498-43B3-948B-1728B52AA6E4}">
+                  <adec:decorative xmlns:adec="http://schemas.microsoft.com/office/drawing/2017/decorative" val="1"/>
+                </a:ext>
+              </a:extLst>
+            </p:cNvPr>
+            <p:cNvSpPr/>
+            <p:nvPr>
+              <p:extLst>
+                <p:ext uri="{386F3935-93C4-4BCD-93E2-E3B085C9AB24}">
+                  <p16:designElem xmlns:p16="http://schemas.microsoft.com/office/powerpoint/2015/main" val="1"/>
+                </p:ext>
+              </p:extLst>
+            </p:nvPr>
+          </p:nvSpPr>
+          <p:spPr bwMode="gray">
+            <a:xfrm rot="15922489">
+              <a:off x="3140485" y="1826078"/>
+              <a:ext cx="3299407" cy="440924"/>
+            </a:xfrm>
+            <a:custGeom>
+              <a:avLst/>
+              <a:gdLst/>
+              <a:ahLst/>
+              <a:cxnLst/>
+              <a:rect l="l" t="t" r="r" b="b"/>
+              <a:pathLst>
+                <a:path w="10000" h="5291">
+                  <a:moveTo>
+                    <a:pt x="85" y="2532"/>
+                  </a:moveTo>
+                  <a:cubicBezTo>
+                    <a:pt x="1736" y="3911"/>
+                    <a:pt x="7524" y="5298"/>
+                    <a:pt x="9958" y="5291"/>
+                  </a:cubicBezTo>
+                  <a:cubicBezTo>
+                    <a:pt x="9989" y="1958"/>
+                    <a:pt x="9969" y="3333"/>
+                    <a:pt x="10000" y="0"/>
+                  </a:cubicBezTo>
+                  <a:lnTo>
+                    <a:pt x="10000" y="0"/>
+                  </a:lnTo>
+                  <a:lnTo>
+                    <a:pt x="9667" y="204"/>
+                  </a:lnTo>
+                  <a:lnTo>
+                    <a:pt x="9334" y="400"/>
+                  </a:lnTo>
+                  <a:lnTo>
+                    <a:pt x="9001" y="590"/>
+                  </a:lnTo>
+                  <a:lnTo>
+                    <a:pt x="8667" y="753"/>
+                  </a:lnTo>
+                  <a:lnTo>
+                    <a:pt x="8333" y="917"/>
+                  </a:lnTo>
+                  <a:lnTo>
+                    <a:pt x="7999" y="1071"/>
+                  </a:lnTo>
+                  <a:lnTo>
+                    <a:pt x="7669" y="1202"/>
+                  </a:lnTo>
+                  <a:lnTo>
+                    <a:pt x="7333" y="1325"/>
+                  </a:lnTo>
+                  <a:lnTo>
+                    <a:pt x="7000" y="1440"/>
+                  </a:lnTo>
+                  <a:lnTo>
+                    <a:pt x="6673" y="1538"/>
+                  </a:lnTo>
+                  <a:lnTo>
+                    <a:pt x="6340" y="1636"/>
+                  </a:lnTo>
+                  <a:lnTo>
+                    <a:pt x="6013" y="1719"/>
+                  </a:lnTo>
+                  <a:lnTo>
+                    <a:pt x="5686" y="1784"/>
+                  </a:lnTo>
+                  <a:lnTo>
+                    <a:pt x="5359" y="1850"/>
+                  </a:lnTo>
+                  <a:lnTo>
+                    <a:pt x="5036" y="1906"/>
+                  </a:lnTo>
+                  <a:lnTo>
+                    <a:pt x="4717" y="1948"/>
+                  </a:lnTo>
+                  <a:lnTo>
+                    <a:pt x="4396" y="1980"/>
+                  </a:lnTo>
+                  <a:lnTo>
+                    <a:pt x="4079" y="2013"/>
+                  </a:lnTo>
+                  <a:lnTo>
+                    <a:pt x="3766" y="2029"/>
+                  </a:lnTo>
+                  <a:lnTo>
+                    <a:pt x="3454" y="2046"/>
+                  </a:lnTo>
+                  <a:lnTo>
+                    <a:pt x="3145" y="2053"/>
+                  </a:lnTo>
+                  <a:lnTo>
+                    <a:pt x="2839" y="2046"/>
+                  </a:lnTo>
+                  <a:lnTo>
+                    <a:pt x="2537" y="2046"/>
+                  </a:lnTo>
+                  <a:lnTo>
+                    <a:pt x="2238" y="2029"/>
+                  </a:lnTo>
+                  <a:lnTo>
+                    <a:pt x="1943" y="2004"/>
+                  </a:lnTo>
+                  <a:lnTo>
+                    <a:pt x="1653" y="1980"/>
+                  </a:lnTo>
+                  <a:lnTo>
+                    <a:pt x="1368" y="1955"/>
+                  </a:lnTo>
+                  <a:lnTo>
+                    <a:pt x="1085" y="1915"/>
+                  </a:lnTo>
+                  <a:lnTo>
+                    <a:pt x="806" y="1873"/>
+                  </a:lnTo>
+                  <a:lnTo>
+                    <a:pt x="533" y="1833"/>
+                  </a:lnTo>
+                  <a:lnTo>
+                    <a:pt x="0" y="1726"/>
+                  </a:lnTo>
+                  <a:cubicBezTo>
+                    <a:pt x="28" y="1995"/>
+                    <a:pt x="57" y="2263"/>
+                    <a:pt x="85" y="2532"/>
+                  </a:cubicBezTo>
+                  <a:close/>
+                </a:path>
+              </a:pathLst>
+            </a:custGeom>
+            <a:solidFill>
+              <a:schemeClr val="bg1">
+                <a:alpha val="20000"/>
+              </a:schemeClr>
+            </a:solidFill>
+            <a:ln>
+              <a:noFill/>
+            </a:ln>
+          </p:spPr>
+        </p:sp>
+        <p:sp>
+          <p:nvSpPr>
+            <p:cNvPr id="15" name="Freeform 5">
+              <a:extLst>
+                <a:ext uri="{FF2B5EF4-FFF2-40B4-BE49-F238E27FC236}">
+                  <a16:creationId xmlns:a16="http://schemas.microsoft.com/office/drawing/2014/main" id="{FDE8183D-5757-4D73-A338-62BDD88E49B2}"/>
+                </a:ext>
+                <a:ext uri="{C183D7F6-B498-43B3-948B-1728B52AA6E4}">
+                  <adec:decorative xmlns:adec="http://schemas.microsoft.com/office/drawing/2017/decorative" val="1"/>
+                </a:ext>
+              </a:extLst>
+            </p:cNvPr>
+            <p:cNvSpPr/>
+            <p:nvPr>
+              <p:extLst>
+                <p:ext uri="{386F3935-93C4-4BCD-93E2-E3B085C9AB24}">
+                  <p16:designElem xmlns:p16="http://schemas.microsoft.com/office/powerpoint/2015/main" val="1"/>
+                </p:ext>
+              </p:extLst>
+            </p:nvPr>
+          </p:nvSpPr>
+          <p:spPr bwMode="gray">
+            <a:xfrm rot="16200000">
+              <a:off x="2229377" y="2801721"/>
+              <a:ext cx="6053670" cy="1254558"/>
+            </a:xfrm>
+            <a:custGeom>
+              <a:avLst/>
+              <a:gdLst/>
+              <a:ahLst/>
+              <a:cxnLst/>
+              <a:rect l="l" t="t" r="r" b="b"/>
+              <a:pathLst>
+                <a:path w="10000" h="8000">
+                  <a:moveTo>
+                    <a:pt x="0" y="0"/>
+                  </a:moveTo>
+                  <a:lnTo>
+                    <a:pt x="0" y="7970"/>
+                  </a:lnTo>
+                  <a:lnTo>
+                    <a:pt x="10000" y="8000"/>
+                  </a:lnTo>
+                  <a:lnTo>
+                    <a:pt x="10000" y="7"/>
+                  </a:lnTo>
+                  <a:lnTo>
+                    <a:pt x="10000" y="7"/>
+                  </a:lnTo>
+                  <a:lnTo>
+                    <a:pt x="9773" y="156"/>
+                  </a:lnTo>
+                  <a:lnTo>
+                    <a:pt x="9547" y="298"/>
+                  </a:lnTo>
+                  <a:lnTo>
+                    <a:pt x="9320" y="437"/>
+                  </a:lnTo>
+                  <a:lnTo>
+                    <a:pt x="9092" y="556"/>
+                  </a:lnTo>
+                  <a:lnTo>
+                    <a:pt x="8865" y="676"/>
+                  </a:lnTo>
+                  <a:lnTo>
+                    <a:pt x="8637" y="788"/>
+                  </a:lnTo>
+                  <a:lnTo>
+                    <a:pt x="8412" y="884"/>
+                  </a:lnTo>
+                  <a:lnTo>
+                    <a:pt x="8184" y="975"/>
+                  </a:lnTo>
+                  <a:lnTo>
+                    <a:pt x="7957" y="1058"/>
+                  </a:lnTo>
+                  <a:lnTo>
+                    <a:pt x="7734" y="1130"/>
+                  </a:lnTo>
+                  <a:lnTo>
+                    <a:pt x="7508" y="1202"/>
+                  </a:lnTo>
+                  <a:lnTo>
+                    <a:pt x="7285" y="1262"/>
+                  </a:lnTo>
+                  <a:lnTo>
+                    <a:pt x="7062" y="1309"/>
+                  </a:lnTo>
+                  <a:lnTo>
+                    <a:pt x="6840" y="1358"/>
+                  </a:lnTo>
+                  <a:lnTo>
+                    <a:pt x="6620" y="1399"/>
+                  </a:lnTo>
+                  <a:lnTo>
+                    <a:pt x="6402" y="1428"/>
+                  </a:lnTo>
+                  <a:lnTo>
+                    <a:pt x="6184" y="1453"/>
+                  </a:lnTo>
+                  <a:lnTo>
+                    <a:pt x="5968" y="1477"/>
+                  </a:lnTo>
+                  <a:lnTo>
+                    <a:pt x="5755" y="1488"/>
+                  </a:lnTo>
+                  <a:lnTo>
+                    <a:pt x="5542" y="1500"/>
+                  </a:lnTo>
+                  <a:lnTo>
+                    <a:pt x="5332" y="1506"/>
+                  </a:lnTo>
+                  <a:lnTo>
+                    <a:pt x="5124" y="1500"/>
+                  </a:lnTo>
+                  <a:lnTo>
+                    <a:pt x="4918" y="1500"/>
+                  </a:lnTo>
+                  <a:lnTo>
+                    <a:pt x="4714" y="1488"/>
+                  </a:lnTo>
+                  <a:lnTo>
+                    <a:pt x="4514" y="1470"/>
+                  </a:lnTo>
+                  <a:lnTo>
+                    <a:pt x="4316" y="1453"/>
+                  </a:lnTo>
+                  <a:lnTo>
+                    <a:pt x="4122" y="1434"/>
+                  </a:lnTo>
+                  <a:lnTo>
+                    <a:pt x="3929" y="1405"/>
+                  </a:lnTo>
+                  <a:lnTo>
+                    <a:pt x="3739" y="1374"/>
+                  </a:lnTo>
+                  <a:lnTo>
+                    <a:pt x="3553" y="1346"/>
+                  </a:lnTo>
+                  <a:lnTo>
+                    <a:pt x="3190" y="1267"/>
+                  </a:lnTo>
+                  <a:lnTo>
+                    <a:pt x="2842" y="1183"/>
+                  </a:lnTo>
+                  <a:lnTo>
+                    <a:pt x="2508" y="1095"/>
+                  </a:lnTo>
+                  <a:lnTo>
+                    <a:pt x="2192" y="998"/>
+                  </a:lnTo>
+                  <a:lnTo>
+                    <a:pt x="1890" y="897"/>
+                  </a:lnTo>
+                  <a:lnTo>
+                    <a:pt x="1610" y="788"/>
+                  </a:lnTo>
+                  <a:lnTo>
+                    <a:pt x="1347" y="681"/>
+                  </a:lnTo>
+                  <a:lnTo>
+                    <a:pt x="1105" y="574"/>
+                  </a:lnTo>
+                  <a:lnTo>
+                    <a:pt x="883" y="473"/>
+                  </a:lnTo>
+                  <a:lnTo>
+                    <a:pt x="686" y="377"/>
+                  </a:lnTo>
+                  <a:lnTo>
+                    <a:pt x="508" y="286"/>
+                  </a:lnTo>
+                  <a:lnTo>
+                    <a:pt x="358" y="210"/>
+                  </a:lnTo>
+                  <a:lnTo>
+                    <a:pt x="232" y="138"/>
+                  </a:lnTo>
+                  <a:lnTo>
+                    <a:pt x="59" y="35"/>
+                  </a:lnTo>
+                  <a:lnTo>
+                    <a:pt x="0" y="0"/>
+                  </a:lnTo>
+                  <a:lnTo>
+                    <a:pt x="0" y="0"/>
+                  </a:lnTo>
+                  <a:close/>
+                </a:path>
+              </a:pathLst>
+            </a:custGeom>
+            <a:solidFill>
+              <a:schemeClr val="bg1"/>
+            </a:solidFill>
+            <a:ln>
+              <a:noFill/>
+            </a:ln>
+          </p:spPr>
+        </p:sp>
+        <p:sp>
+          <p:nvSpPr>
+            <p:cNvPr id="16" name="Freeform 5">
+              <a:extLst>
+                <a:ext uri="{FF2B5EF4-FFF2-40B4-BE49-F238E27FC236}">
+                  <a16:creationId xmlns:a16="http://schemas.microsoft.com/office/drawing/2014/main" id="{F6ACD5FC-CAFE-48EB-B765-60EED2E052F0}"/>
+                </a:ext>
+                <a:ext uri="{C183D7F6-B498-43B3-948B-1728B52AA6E4}">
+                  <adec:decorative xmlns:adec="http://schemas.microsoft.com/office/drawing/2017/decorative" val="1"/>
+                </a:ext>
+              </a:extLst>
+            </p:cNvPr>
+            <p:cNvSpPr>
+              <a:spLocks noEditPoints="1"/>
+            </p:cNvSpPr>
+            <p:nvPr>
+              <p:extLst>
+                <p:ext uri="{386F3935-93C4-4BCD-93E2-E3B085C9AB24}">
+                  <p16:designElem xmlns:p16="http://schemas.microsoft.com/office/powerpoint/2015/main" val="1"/>
+                </p:ext>
+              </p:extLst>
+            </p:nvPr>
+          </p:nvSpPr>
+          <p:spPr bwMode="gray">
+            <a:xfrm>
+              <a:off x="0" y="1587"/>
+              <a:ext cx="12192000" cy="6856413"/>
+            </a:xfrm>
+            <a:custGeom>
+              <a:avLst/>
+              <a:gdLst/>
+              <a:ahLst/>
+              <a:cxnLst/>
+              <a:rect l="0" t="0" r="r" b="b"/>
+              <a:pathLst>
+                <a:path w="15356" h="8638">
+                  <a:moveTo>
+                    <a:pt x="0" y="0"/>
+                  </a:moveTo>
+                  <a:lnTo>
+                    <a:pt x="0" y="8638"/>
+                  </a:lnTo>
+                  <a:lnTo>
+                    <a:pt x="15356" y="8638"/>
+                  </a:lnTo>
+                  <a:lnTo>
+                    <a:pt x="15356" y="0"/>
+                  </a:lnTo>
+                  <a:lnTo>
+                    <a:pt x="0" y="0"/>
+                  </a:lnTo>
+                  <a:close/>
+                  <a:moveTo>
+                    <a:pt x="14748" y="8038"/>
+                  </a:moveTo>
+                  <a:lnTo>
+                    <a:pt x="600" y="8038"/>
+                  </a:lnTo>
+                  <a:lnTo>
+                    <a:pt x="600" y="592"/>
+                  </a:lnTo>
+                  <a:lnTo>
+                    <a:pt x="14748" y="592"/>
+                  </a:lnTo>
+                  <a:lnTo>
+                    <a:pt x="14748" y="8038"/>
+                  </a:lnTo>
+                  <a:close/>
+                </a:path>
+              </a:pathLst>
+            </a:custGeom>
+            <a:solidFill>
+              <a:schemeClr val="bg1"/>
+            </a:solidFill>
+            <a:ln>
+              <a:noFill/>
+            </a:ln>
+          </p:spPr>
+        </p:sp>
+      </p:grpSp>
       <p:sp>
         <p:nvSpPr>
           <p:cNvPr id="2" name="Title 1">
@@ -13392,15 +14143,44 @@
             <p:ph type="title"/>
           </p:nvPr>
         </p:nvSpPr>
-        <p:spPr/>
+        <p:spPr>
+          <a:xfrm>
+            <a:off x="703643" y="945230"/>
+            <a:ext cx="3755164" cy="1020232"/>
+          </a:xfrm>
+        </p:spPr>
         <p:txBody>
-          <a:bodyPr/>
+          <a:bodyPr>
+            <a:normAutofit/>
+          </a:bodyPr>
           <a:lstStyle/>
           <a:p>
+            <a:pPr>
+              <a:lnSpc>
+                <a:spcPct val="90000"/>
+              </a:lnSpc>
+            </a:pPr>
             <a:r>
-              <a:rPr lang="en-GB" dirty="0"/>
-              <a:t>About Our Game</a:t>
+              <a:rPr lang="en-GB" sz="3300" dirty="0">
+                <a:solidFill>
+                  <a:srgbClr val="EBEBEB"/>
+                </a:solidFill>
+              </a:rPr>
+              <a:t>About Our </a:t>
             </a:r>
+            <a:r>
+              <a:rPr lang="en-GB" sz="3300">
+                <a:solidFill>
+                  <a:srgbClr val="EBEBEB"/>
+                </a:solidFill>
+              </a:rPr>
+              <a:t>Game      ‘Project Stealth’</a:t>
+            </a:r>
+            <a:endParaRPr lang="en-GB" sz="3300" dirty="0">
+              <a:solidFill>
+                <a:srgbClr val="EBEBEB"/>
+              </a:solidFill>
+            </a:endParaRPr>
           </a:p>
         </p:txBody>
       </p:sp>
@@ -13420,44 +14200,168 @@
             <p:ph idx="1"/>
           </p:nvPr>
         </p:nvSpPr>
-        <p:spPr/>
+        <p:spPr>
+          <a:xfrm>
+            <a:off x="1154955" y="2120900"/>
+            <a:ext cx="3133726" cy="3898900"/>
+          </a:xfrm>
+        </p:spPr>
         <p:txBody>
-          <a:bodyPr/>
+          <a:bodyPr>
+            <a:normAutofit/>
+          </a:bodyPr>
           <a:lstStyle/>
           <a:p>
             <a:r>
-              <a:rPr lang="en-GB" dirty="0"/>
+              <a:rPr lang="en-GB" dirty="0">
+                <a:solidFill>
+                  <a:srgbClr val="FFFFFF"/>
+                </a:solidFill>
+              </a:rPr>
               <a:t>Stealth Game</a:t>
             </a:r>
           </a:p>
           <a:p>
             <a:r>
-              <a:rPr lang="en-GB" dirty="0"/>
+              <a:rPr lang="en-GB" dirty="0">
+                <a:solidFill>
+                  <a:srgbClr val="FFFFFF"/>
+                </a:solidFill>
+              </a:rPr>
               <a:t>Isometric</a:t>
             </a:r>
           </a:p>
           <a:p>
             <a:r>
-              <a:rPr lang="en-GB" dirty="0"/>
+              <a:rPr lang="en-GB" dirty="0">
+                <a:solidFill>
+                  <a:srgbClr val="FFFFFF"/>
+                </a:solidFill>
+              </a:rPr>
               <a:t>Platform: PC</a:t>
             </a:r>
           </a:p>
           <a:p>
             <a:r>
-              <a:rPr lang="en-GB" dirty="0"/>
-              <a:t>Hacking</a:t>
+              <a:rPr lang="en-GB" dirty="0">
+                <a:solidFill>
+                  <a:srgbClr val="FFFFFF"/>
+                </a:solidFill>
+              </a:rPr>
+              <a:t>Hacking Minigame</a:t>
             </a:r>
           </a:p>
           <a:p>
             <a:r>
-              <a:rPr lang="en-GB" dirty="0"/>
+              <a:rPr lang="en-GB" dirty="0">
+                <a:solidFill>
+                  <a:srgbClr val="FFFFFF"/>
+                </a:solidFill>
+              </a:rPr>
               <a:t>Robots</a:t>
             </a:r>
           </a:p>
           <a:p>
-            <a:endParaRPr lang="en-GB" dirty="0"/>
+            <a:r>
+              <a:rPr lang="en-GB" dirty="0">
+                <a:solidFill>
+                  <a:srgbClr val="FFFFFF"/>
+                </a:solidFill>
+              </a:rPr>
+              <a:t>Futuristic</a:t>
+            </a:r>
+          </a:p>
+          <a:p>
+            <a:endParaRPr lang="en-GB" dirty="0">
+              <a:solidFill>
+                <a:srgbClr val="FFFFFF"/>
+              </a:solidFill>
+            </a:endParaRPr>
           </a:p>
         </p:txBody>
+      </p:sp>
+      <p:pic>
+        <p:nvPicPr>
+          <p:cNvPr id="4" name="Picture 3">
+            <a:extLst>
+              <a:ext uri="{FF2B5EF4-FFF2-40B4-BE49-F238E27FC236}">
+                <a16:creationId xmlns:a16="http://schemas.microsoft.com/office/drawing/2014/main" id="{13C7657C-561B-4B13-8CAE-53008578C97B}"/>
+              </a:ext>
+            </a:extLst>
+          </p:cNvPr>
+          <p:cNvPicPr>
+            <a:picLocks noChangeAspect="1"/>
+          </p:cNvPicPr>
+          <p:nvPr/>
+        </p:nvPicPr>
+        <p:blipFill>
+          <a:blip r:embed="rId3"/>
+          <a:stretch>
+            <a:fillRect/>
+          </a:stretch>
+        </p:blipFill>
+        <p:spPr>
+          <a:xfrm>
+            <a:off x="5194607" y="1719265"/>
+            <a:ext cx="6391533" cy="3419470"/>
+          </a:xfrm>
+          <a:prstGeom prst="rect">
+            <a:avLst/>
+          </a:prstGeom>
+        </p:spPr>
+      </p:pic>
+      <p:sp>
+        <p:nvSpPr>
+          <p:cNvPr id="21" name="Rectangle 17">
+            <a:extLst>
+              <a:ext uri="{FF2B5EF4-FFF2-40B4-BE49-F238E27FC236}">
+                <a16:creationId xmlns:a16="http://schemas.microsoft.com/office/drawing/2014/main" id="{9F33B405-D785-4738-B1C0-6A0AA5E98286}"/>
+              </a:ext>
+              <a:ext uri="{C183D7F6-B498-43B3-948B-1728B52AA6E4}">
+                <adec:decorative xmlns:adec="http://schemas.microsoft.com/office/drawing/2017/decorative" val="1"/>
+              </a:ext>
+            </a:extLst>
+          </p:cNvPr>
+          <p:cNvSpPr>
+            <a:spLocks noGrp="1" noRot="1" noChangeAspect="1" noMove="1" noResize="1" noEditPoints="1" noAdjustHandles="1" noChangeArrowheads="1" noChangeShapeType="1" noTextEdit="1"/>
+          </p:cNvSpPr>
+          <p:nvPr>
+            <p:extLst>
+              <p:ext uri="{386F3935-93C4-4BCD-93E2-E3B085C9AB24}">
+                <p16:designElem xmlns:p16="http://schemas.microsoft.com/office/powerpoint/2015/main" val="1"/>
+              </p:ext>
+            </p:extLst>
+          </p:nvPr>
+        </p:nvSpPr>
+        <p:spPr>
+          <a:xfrm>
+            <a:off x="10437812" y="0"/>
+            <a:ext cx="685800" cy="1143000"/>
+          </a:xfrm>
+          <a:prstGeom prst="rect">
+            <a:avLst/>
+          </a:prstGeom>
+          <a:solidFill>
+            <a:schemeClr val="accent1"/>
+          </a:solidFill>
+          <a:ln>
+            <a:noFill/>
+          </a:ln>
+        </p:spPr>
+        <p:style>
+          <a:lnRef idx="1">
+            <a:schemeClr val="accent1"/>
+          </a:lnRef>
+          <a:fillRef idx="3">
+            <a:schemeClr val="accent1"/>
+          </a:fillRef>
+          <a:effectRef idx="2">
+            <a:schemeClr val="accent1"/>
+          </a:effectRef>
+          <a:fontRef idx="minor">
+            <a:schemeClr val="lt1"/>
+          </a:fontRef>
+        </p:style>
       </p:sp>
     </p:spTree>
     <p:extLst>
@@ -13600,8 +14504,8 @@
           </a:p>
         </p:txBody>
       </p:sp>
-      <mc:AlternateContent xmlns:mc="http://schemas.openxmlformats.org/markup-compatibility/2006">
-        <mc:Choice xmlns:am3d="http://schemas.microsoft.com/office/drawing/2017/model3d" Requires="am3d">
+      <mc:AlternateContent xmlns:mc="http://schemas.openxmlformats.org/markup-compatibility/2006" xmlns:am3d="http://schemas.microsoft.com/office/drawing/2017/model3d">
+        <mc:Choice Requires="am3d">
           <p:graphicFrame>
             <p:nvGraphicFramePr>
               <p:cNvPr id="4" name="Content Placeholder 3">
@@ -13618,14 +14522,14 @@
                 <p:ph idx="1"/>
                 <p:extLst>
                   <p:ext uri="{D42A27DB-BD31-4B8C-83A1-F6EECF244321}">
-                    <p14:modId xmlns:p14="http://schemas.microsoft.com/office/powerpoint/2010/main" val="488804387"/>
+                    <p14:modId xmlns:p14="http://schemas.microsoft.com/office/powerpoint/2010/main" val="1478560991"/>
                   </p:ext>
                 </p:extLst>
               </p:nvPr>
             </p:nvGraphicFramePr>
             <p:xfrm>
-              <a:off x="-782124" y="1597380"/>
-              <a:ext cx="14205429" cy="4703406"/>
+              <a:off x="-886854" y="978511"/>
+              <a:ext cx="14414889" cy="5941143"/>
             </p:xfrm>
             <a:graphic>
               <a:graphicData uri="http://schemas.microsoft.com/office/drawing/2017/model3d">
@@ -13633,7 +14537,7 @@
                   <am3d:spPr>
                     <a:xfrm>
                       <a:off x="0" y="0"/>
-                      <a:ext cx="14205429" cy="4703406"/>
+                      <a:ext cx="14414889" cy="5941143"/>
                     </a:xfrm>
                     <a:prstGeom prst="rect">
                       <a:avLst/>
@@ -13653,13 +14557,13 @@
                       <am3d:sy n="1000000" d="1000000"/>
                       <am3d:sz n="1000000" d="1000000"/>
                     </am3d:scale>
-                    <am3d:rot ax="2872707" ay="3617882" az="2630891"/>
+                    <am3d:rot ax="2383597" ay="3021788" az="1957009"/>
                     <am3d:postTrans dx="0" dy="0" dz="0"/>
                   </am3d:trans>
                   <am3d:raster rName="Office3DRenderer" rVer="16.0.8326">
                     <am3d:blip r:embed="rId3"/>
                   </am3d:raster>
-                  <am3d:objViewport viewportSz="14890944"/>
+                  <am3d:objViewport viewportSz="14890942"/>
                   <am3d:ambientLight>
                     <am3d:clr>
                       <a:scrgbClr r="50000" g="50000" b="50000"/>
@@ -13692,7 +14596,7 @@
             </a:graphic>
           </p:graphicFrame>
         </mc:Choice>
-        <mc:Fallback>
+        <mc:Fallback xmlns="">
           <p:pic>
             <p:nvPicPr>
               <p:cNvPr id="4" name="Content Placeholder 3">
@@ -13708,15 +14612,15 @@
               <p:nvPr/>
             </p:nvPicPr>
             <p:blipFill>
-              <a:blip r:embed="rId3"/>
+              <a:blip r:embed="rId4"/>
               <a:stretch>
                 <a:fillRect/>
               </a:stretch>
             </p:blipFill>
             <p:spPr>
               <a:xfrm>
-                <a:off x="-782124" y="1597380"/>
-                <a:ext cx="14205429" cy="4703406"/>
+                <a:off x="-886854" y="978511"/>
+                <a:ext cx="14414889" cy="5941143"/>
               </a:xfrm>
               <a:prstGeom prst="rect">
                 <a:avLst/>
